--- a/ppt 16-9/0765.加倍的灵.pptx
+++ b/ppt 16-9/0765.加倍的灵.pptx
@@ -5,7 +5,7 @@
     <p:sldMasterId id="2147483648" r:id="rId1"/>
   </p:sldMasterIdLst>
   <p:sldIdLst>
-    <p:sldId id="2016" r:id="rId2"/>
+    <p:sldId id="2018" r:id="rId2"/>
   </p:sldIdLst>
   <p:sldSz cx="12192000" cy="6858000"/>
   <p:notesSz cx="6858000" cy="9144000"/>
@@ -129,7 +129,7 @@
           <p:cNvPr id="2" name="标题 1">
             <a:extLst>
               <a:ext uri="{FF2B5EF4-FFF2-40B4-BE49-F238E27FC236}">
-                <a16:creationId xmlns:a16="http://schemas.microsoft.com/office/drawing/2014/main" id="{AAEF5C3E-9D62-DB23-9D9C-93248D65BD76}"/>
+                <a16:creationId xmlns:a16="http://schemas.microsoft.com/office/drawing/2014/main" id="{91615BE8-6AA9-8C12-E8B6-3895D76A77A0}"/>
               </a:ext>
             </a:extLst>
           </p:cNvPr>
@@ -166,7 +166,7 @@
           <p:cNvPr id="3" name="副标题 2">
             <a:extLst>
               <a:ext uri="{FF2B5EF4-FFF2-40B4-BE49-F238E27FC236}">
-                <a16:creationId xmlns:a16="http://schemas.microsoft.com/office/drawing/2014/main" id="{EE3E1C5C-E88A-6E29-66AB-C5478372E3B8}"/>
+                <a16:creationId xmlns:a16="http://schemas.microsoft.com/office/drawing/2014/main" id="{94B37E36-EEE5-1A7C-5EEA-E0425039CDDB}"/>
               </a:ext>
             </a:extLst>
           </p:cNvPr>
@@ -236,7 +236,7 @@
           <p:cNvPr id="4" name="日期占位符 3">
             <a:extLst>
               <a:ext uri="{FF2B5EF4-FFF2-40B4-BE49-F238E27FC236}">
-                <a16:creationId xmlns:a16="http://schemas.microsoft.com/office/drawing/2014/main" id="{497A9C6F-C74B-0480-A31D-6FEA3514B78A}"/>
+                <a16:creationId xmlns:a16="http://schemas.microsoft.com/office/drawing/2014/main" id="{507F3517-7C17-CB60-EC15-DB0A766CB46B}"/>
               </a:ext>
             </a:extLst>
           </p:cNvPr>
@@ -252,7 +252,7 @@
           <a:bodyPr/>
           <a:lstStyle/>
           <a:p>
-            <a:fld id="{DB448436-C86F-4038-A7ED-E259BF422DC9}" type="datetimeFigureOut">
+            <a:fld id="{10DDB60E-3F38-45A6-AB44-610800A395C9}" type="datetimeFigureOut">
               <a:rPr lang="zh-CN" altLang="en-US" smtClean="0"/>
               <a:t>2024/3/10</a:t>
             </a:fld>
@@ -265,7 +265,7 @@
           <p:cNvPr id="5" name="页脚占位符 4">
             <a:extLst>
               <a:ext uri="{FF2B5EF4-FFF2-40B4-BE49-F238E27FC236}">
-                <a16:creationId xmlns:a16="http://schemas.microsoft.com/office/drawing/2014/main" id="{19AB4AF6-191A-C1C4-1B0A-3C1A96F7BF22}"/>
+                <a16:creationId xmlns:a16="http://schemas.microsoft.com/office/drawing/2014/main" id="{28256434-78DE-9CE4-6394-F43F00CEBF57}"/>
               </a:ext>
             </a:extLst>
           </p:cNvPr>
@@ -290,7 +290,7 @@
           <p:cNvPr id="6" name="灯片编号占位符 5">
             <a:extLst>
               <a:ext uri="{FF2B5EF4-FFF2-40B4-BE49-F238E27FC236}">
-                <a16:creationId xmlns:a16="http://schemas.microsoft.com/office/drawing/2014/main" id="{8B6BC805-DA40-7491-F9B5-773CBCC505D5}"/>
+                <a16:creationId xmlns:a16="http://schemas.microsoft.com/office/drawing/2014/main" id="{E2DCBAB1-D3F8-0EDD-532D-8673EDAB239B}"/>
               </a:ext>
             </a:extLst>
           </p:cNvPr>
@@ -306,7 +306,7 @@
           <a:bodyPr/>
           <a:lstStyle/>
           <a:p>
-            <a:fld id="{885FD205-3513-43C7-8E72-DF02500E5775}" type="slidenum">
+            <a:fld id="{6BB4CF94-71B8-4696-913D-FF42114E175C}" type="slidenum">
               <a:rPr lang="zh-CN" altLang="en-US" smtClean="0"/>
               <a:t>‹#›</a:t>
             </a:fld>
@@ -317,7 +317,7 @@
     </p:spTree>
     <p:extLst>
       <p:ext uri="{BB962C8B-B14F-4D97-AF65-F5344CB8AC3E}">
-        <p14:creationId xmlns:p14="http://schemas.microsoft.com/office/powerpoint/2010/main" val="2540263550"/>
+        <p14:creationId xmlns:p14="http://schemas.microsoft.com/office/powerpoint/2010/main" val="3118156653"/>
       </p:ext>
     </p:extLst>
   </p:cSld>
@@ -349,7 +349,7 @@
           <p:cNvPr id="2" name="标题 1">
             <a:extLst>
               <a:ext uri="{FF2B5EF4-FFF2-40B4-BE49-F238E27FC236}">
-                <a16:creationId xmlns:a16="http://schemas.microsoft.com/office/drawing/2014/main" id="{BA2510B1-4F33-05E0-7330-3156880B0376}"/>
+                <a16:creationId xmlns:a16="http://schemas.microsoft.com/office/drawing/2014/main" id="{1BA8B024-CC8A-C0CE-DE57-742B4CBF7A7A}"/>
               </a:ext>
             </a:extLst>
           </p:cNvPr>
@@ -377,7 +377,7 @@
           <p:cNvPr id="3" name="竖排文字占位符 2">
             <a:extLst>
               <a:ext uri="{FF2B5EF4-FFF2-40B4-BE49-F238E27FC236}">
-                <a16:creationId xmlns:a16="http://schemas.microsoft.com/office/drawing/2014/main" id="{22715736-AF78-FAF8-60E8-F9ECF7F15AE4}"/>
+                <a16:creationId xmlns:a16="http://schemas.microsoft.com/office/drawing/2014/main" id="{EB91239D-A692-EF9C-BD39-F36CB38D9986}"/>
               </a:ext>
             </a:extLst>
           </p:cNvPr>
@@ -434,7 +434,7 @@
           <p:cNvPr id="4" name="日期占位符 3">
             <a:extLst>
               <a:ext uri="{FF2B5EF4-FFF2-40B4-BE49-F238E27FC236}">
-                <a16:creationId xmlns:a16="http://schemas.microsoft.com/office/drawing/2014/main" id="{79076792-775A-0C67-8E6B-776CDD17C1C7}"/>
+                <a16:creationId xmlns:a16="http://schemas.microsoft.com/office/drawing/2014/main" id="{5A66ACFE-AC5B-EE60-3A6C-6CAD40DEAE0A}"/>
               </a:ext>
             </a:extLst>
           </p:cNvPr>
@@ -450,7 +450,7 @@
           <a:bodyPr/>
           <a:lstStyle/>
           <a:p>
-            <a:fld id="{DB448436-C86F-4038-A7ED-E259BF422DC9}" type="datetimeFigureOut">
+            <a:fld id="{10DDB60E-3F38-45A6-AB44-610800A395C9}" type="datetimeFigureOut">
               <a:rPr lang="zh-CN" altLang="en-US" smtClean="0"/>
               <a:t>2024/3/10</a:t>
             </a:fld>
@@ -463,7 +463,7 @@
           <p:cNvPr id="5" name="页脚占位符 4">
             <a:extLst>
               <a:ext uri="{FF2B5EF4-FFF2-40B4-BE49-F238E27FC236}">
-                <a16:creationId xmlns:a16="http://schemas.microsoft.com/office/drawing/2014/main" id="{513F9624-B617-986E-A992-02EA54BA0C09}"/>
+                <a16:creationId xmlns:a16="http://schemas.microsoft.com/office/drawing/2014/main" id="{0E81172C-C3BC-E284-49CC-2F2AC8D198A2}"/>
               </a:ext>
             </a:extLst>
           </p:cNvPr>
@@ -488,7 +488,7 @@
           <p:cNvPr id="6" name="灯片编号占位符 5">
             <a:extLst>
               <a:ext uri="{FF2B5EF4-FFF2-40B4-BE49-F238E27FC236}">
-                <a16:creationId xmlns:a16="http://schemas.microsoft.com/office/drawing/2014/main" id="{1E86EC8E-9220-2EE3-4310-EE7AEB303883}"/>
+                <a16:creationId xmlns:a16="http://schemas.microsoft.com/office/drawing/2014/main" id="{9D5BDA49-EB2E-6267-5E8E-9F32EADB8F00}"/>
               </a:ext>
             </a:extLst>
           </p:cNvPr>
@@ -504,7 +504,7 @@
           <a:bodyPr/>
           <a:lstStyle/>
           <a:p>
-            <a:fld id="{885FD205-3513-43C7-8E72-DF02500E5775}" type="slidenum">
+            <a:fld id="{6BB4CF94-71B8-4696-913D-FF42114E175C}" type="slidenum">
               <a:rPr lang="zh-CN" altLang="en-US" smtClean="0"/>
               <a:t>‹#›</a:t>
             </a:fld>
@@ -515,7 +515,7 @@
     </p:spTree>
     <p:extLst>
       <p:ext uri="{BB962C8B-B14F-4D97-AF65-F5344CB8AC3E}">
-        <p14:creationId xmlns:p14="http://schemas.microsoft.com/office/powerpoint/2010/main" val="42748127"/>
+        <p14:creationId xmlns:p14="http://schemas.microsoft.com/office/powerpoint/2010/main" val="1800456893"/>
       </p:ext>
     </p:extLst>
   </p:cSld>
@@ -547,7 +547,7 @@
           <p:cNvPr id="2" name="竖排标题 1">
             <a:extLst>
               <a:ext uri="{FF2B5EF4-FFF2-40B4-BE49-F238E27FC236}">
-                <a16:creationId xmlns:a16="http://schemas.microsoft.com/office/drawing/2014/main" id="{49B6DD85-DD59-9A00-FF60-F103FF671F6B}"/>
+                <a16:creationId xmlns:a16="http://schemas.microsoft.com/office/drawing/2014/main" id="{FBE87E86-8EED-6D50-1B3C-73F888628E30}"/>
               </a:ext>
             </a:extLst>
           </p:cNvPr>
@@ -580,7 +580,7 @@
           <p:cNvPr id="3" name="竖排文字占位符 2">
             <a:extLst>
               <a:ext uri="{FF2B5EF4-FFF2-40B4-BE49-F238E27FC236}">
-                <a16:creationId xmlns:a16="http://schemas.microsoft.com/office/drawing/2014/main" id="{3005212A-333C-2452-2216-979FC372140E}"/>
+                <a16:creationId xmlns:a16="http://schemas.microsoft.com/office/drawing/2014/main" id="{AA343505-1A21-D4BF-C9EB-52FBD2D3B954}"/>
               </a:ext>
             </a:extLst>
           </p:cNvPr>
@@ -642,7 +642,7 @@
           <p:cNvPr id="4" name="日期占位符 3">
             <a:extLst>
               <a:ext uri="{FF2B5EF4-FFF2-40B4-BE49-F238E27FC236}">
-                <a16:creationId xmlns:a16="http://schemas.microsoft.com/office/drawing/2014/main" id="{6FB8A74B-7E45-573B-90A9-5BB0C5E4BF26}"/>
+                <a16:creationId xmlns:a16="http://schemas.microsoft.com/office/drawing/2014/main" id="{84784B00-BDB5-8728-633F-B52301B9AC3B}"/>
               </a:ext>
             </a:extLst>
           </p:cNvPr>
@@ -658,7 +658,7 @@
           <a:bodyPr/>
           <a:lstStyle/>
           <a:p>
-            <a:fld id="{DB448436-C86F-4038-A7ED-E259BF422DC9}" type="datetimeFigureOut">
+            <a:fld id="{10DDB60E-3F38-45A6-AB44-610800A395C9}" type="datetimeFigureOut">
               <a:rPr lang="zh-CN" altLang="en-US" smtClean="0"/>
               <a:t>2024/3/10</a:t>
             </a:fld>
@@ -671,7 +671,7 @@
           <p:cNvPr id="5" name="页脚占位符 4">
             <a:extLst>
               <a:ext uri="{FF2B5EF4-FFF2-40B4-BE49-F238E27FC236}">
-                <a16:creationId xmlns:a16="http://schemas.microsoft.com/office/drawing/2014/main" id="{B8882DCB-B6FF-C6EA-809A-02E8039D26BD}"/>
+                <a16:creationId xmlns:a16="http://schemas.microsoft.com/office/drawing/2014/main" id="{F41BA80D-7EF5-335B-E395-51670D11DF8F}"/>
               </a:ext>
             </a:extLst>
           </p:cNvPr>
@@ -696,7 +696,7 @@
           <p:cNvPr id="6" name="灯片编号占位符 5">
             <a:extLst>
               <a:ext uri="{FF2B5EF4-FFF2-40B4-BE49-F238E27FC236}">
-                <a16:creationId xmlns:a16="http://schemas.microsoft.com/office/drawing/2014/main" id="{9EC2E54D-C480-7727-CC1B-546240682107}"/>
+                <a16:creationId xmlns:a16="http://schemas.microsoft.com/office/drawing/2014/main" id="{F1C93142-9A7B-CCEC-67D5-6865004D35BE}"/>
               </a:ext>
             </a:extLst>
           </p:cNvPr>
@@ -712,7 +712,7 @@
           <a:bodyPr/>
           <a:lstStyle/>
           <a:p>
-            <a:fld id="{885FD205-3513-43C7-8E72-DF02500E5775}" type="slidenum">
+            <a:fld id="{6BB4CF94-71B8-4696-913D-FF42114E175C}" type="slidenum">
               <a:rPr lang="zh-CN" altLang="en-US" smtClean="0"/>
               <a:t>‹#›</a:t>
             </a:fld>
@@ -723,7 +723,7 @@
     </p:spTree>
     <p:extLst>
       <p:ext uri="{BB962C8B-B14F-4D97-AF65-F5344CB8AC3E}">
-        <p14:creationId xmlns:p14="http://schemas.microsoft.com/office/powerpoint/2010/main" val="608270778"/>
+        <p14:creationId xmlns:p14="http://schemas.microsoft.com/office/powerpoint/2010/main" val="3701638855"/>
       </p:ext>
     </p:extLst>
   </p:cSld>
@@ -755,7 +755,7 @@
           <p:cNvPr id="2" name="标题 1">
             <a:extLst>
               <a:ext uri="{FF2B5EF4-FFF2-40B4-BE49-F238E27FC236}">
-                <a16:creationId xmlns:a16="http://schemas.microsoft.com/office/drawing/2014/main" id="{523B54C3-7BC6-49FE-AEBB-9FEF8943E497}"/>
+                <a16:creationId xmlns:a16="http://schemas.microsoft.com/office/drawing/2014/main" id="{0ED30B6D-B6FE-45EC-8BC4-010A66E87017}"/>
               </a:ext>
             </a:extLst>
           </p:cNvPr>
@@ -783,7 +783,7 @@
           <p:cNvPr id="3" name="内容占位符 2">
             <a:extLst>
               <a:ext uri="{FF2B5EF4-FFF2-40B4-BE49-F238E27FC236}">
-                <a16:creationId xmlns:a16="http://schemas.microsoft.com/office/drawing/2014/main" id="{0F6D3B60-88F7-864E-4E63-E32C2D13DDBE}"/>
+                <a16:creationId xmlns:a16="http://schemas.microsoft.com/office/drawing/2014/main" id="{F1F6FA56-EE21-D655-AD43-140EAE4898EF}"/>
               </a:ext>
             </a:extLst>
           </p:cNvPr>
@@ -840,7 +840,7 @@
           <p:cNvPr id="4" name="日期占位符 3">
             <a:extLst>
               <a:ext uri="{FF2B5EF4-FFF2-40B4-BE49-F238E27FC236}">
-                <a16:creationId xmlns:a16="http://schemas.microsoft.com/office/drawing/2014/main" id="{DC159A43-DB69-F652-407E-F3D9232DF081}"/>
+                <a16:creationId xmlns:a16="http://schemas.microsoft.com/office/drawing/2014/main" id="{477F6903-550A-0366-8CEB-57FC1F4CA5F5}"/>
               </a:ext>
             </a:extLst>
           </p:cNvPr>
@@ -856,7 +856,7 @@
           <a:bodyPr/>
           <a:lstStyle/>
           <a:p>
-            <a:fld id="{DB448436-C86F-4038-A7ED-E259BF422DC9}" type="datetimeFigureOut">
+            <a:fld id="{10DDB60E-3F38-45A6-AB44-610800A395C9}" type="datetimeFigureOut">
               <a:rPr lang="zh-CN" altLang="en-US" smtClean="0"/>
               <a:t>2024/3/10</a:t>
             </a:fld>
@@ -869,7 +869,7 @@
           <p:cNvPr id="5" name="页脚占位符 4">
             <a:extLst>
               <a:ext uri="{FF2B5EF4-FFF2-40B4-BE49-F238E27FC236}">
-                <a16:creationId xmlns:a16="http://schemas.microsoft.com/office/drawing/2014/main" id="{C1F13B4E-31F3-6B27-7B3D-B3BB0A08910C}"/>
+                <a16:creationId xmlns:a16="http://schemas.microsoft.com/office/drawing/2014/main" id="{686CE320-A8E6-BE76-0B63-A7FC444EE88F}"/>
               </a:ext>
             </a:extLst>
           </p:cNvPr>
@@ -894,7 +894,7 @@
           <p:cNvPr id="6" name="灯片编号占位符 5">
             <a:extLst>
               <a:ext uri="{FF2B5EF4-FFF2-40B4-BE49-F238E27FC236}">
-                <a16:creationId xmlns:a16="http://schemas.microsoft.com/office/drawing/2014/main" id="{E8EA7131-94D1-160F-4BEF-D7520C14637E}"/>
+                <a16:creationId xmlns:a16="http://schemas.microsoft.com/office/drawing/2014/main" id="{F25884DF-E3BB-FA22-BED0-6D1D5F38A35B}"/>
               </a:ext>
             </a:extLst>
           </p:cNvPr>
@@ -910,7 +910,7 @@
           <a:bodyPr/>
           <a:lstStyle/>
           <a:p>
-            <a:fld id="{885FD205-3513-43C7-8E72-DF02500E5775}" type="slidenum">
+            <a:fld id="{6BB4CF94-71B8-4696-913D-FF42114E175C}" type="slidenum">
               <a:rPr lang="zh-CN" altLang="en-US" smtClean="0"/>
               <a:t>‹#›</a:t>
             </a:fld>
@@ -921,7 +921,7 @@
     </p:spTree>
     <p:extLst>
       <p:ext uri="{BB962C8B-B14F-4D97-AF65-F5344CB8AC3E}">
-        <p14:creationId xmlns:p14="http://schemas.microsoft.com/office/powerpoint/2010/main" val="3089358813"/>
+        <p14:creationId xmlns:p14="http://schemas.microsoft.com/office/powerpoint/2010/main" val="3351242026"/>
       </p:ext>
     </p:extLst>
   </p:cSld>
@@ -953,7 +953,7 @@
           <p:cNvPr id="2" name="标题 1">
             <a:extLst>
               <a:ext uri="{FF2B5EF4-FFF2-40B4-BE49-F238E27FC236}">
-                <a16:creationId xmlns:a16="http://schemas.microsoft.com/office/drawing/2014/main" id="{4B0523AC-F131-B449-6B28-2A89E291D75D}"/>
+                <a16:creationId xmlns:a16="http://schemas.microsoft.com/office/drawing/2014/main" id="{B501577A-8455-9897-903E-78EC535BE3E1}"/>
               </a:ext>
             </a:extLst>
           </p:cNvPr>
@@ -990,7 +990,7 @@
           <p:cNvPr id="3" name="文本占位符 2">
             <a:extLst>
               <a:ext uri="{FF2B5EF4-FFF2-40B4-BE49-F238E27FC236}">
-                <a16:creationId xmlns:a16="http://schemas.microsoft.com/office/drawing/2014/main" id="{D6476F95-B41E-B298-510B-EA844715DCF0}"/>
+                <a16:creationId xmlns:a16="http://schemas.microsoft.com/office/drawing/2014/main" id="{19F1AC9D-D6E3-3261-75BF-7C8611BEA0FE}"/>
               </a:ext>
             </a:extLst>
           </p:cNvPr>
@@ -1115,7 +1115,7 @@
           <p:cNvPr id="4" name="日期占位符 3">
             <a:extLst>
               <a:ext uri="{FF2B5EF4-FFF2-40B4-BE49-F238E27FC236}">
-                <a16:creationId xmlns:a16="http://schemas.microsoft.com/office/drawing/2014/main" id="{243D312E-8199-A11A-50EC-3E2465A05296}"/>
+                <a16:creationId xmlns:a16="http://schemas.microsoft.com/office/drawing/2014/main" id="{CF8D00E7-2BC9-1338-A65E-39744957F856}"/>
               </a:ext>
             </a:extLst>
           </p:cNvPr>
@@ -1131,7 +1131,7 @@
           <a:bodyPr/>
           <a:lstStyle/>
           <a:p>
-            <a:fld id="{DB448436-C86F-4038-A7ED-E259BF422DC9}" type="datetimeFigureOut">
+            <a:fld id="{10DDB60E-3F38-45A6-AB44-610800A395C9}" type="datetimeFigureOut">
               <a:rPr lang="zh-CN" altLang="en-US" smtClean="0"/>
               <a:t>2024/3/10</a:t>
             </a:fld>
@@ -1144,7 +1144,7 @@
           <p:cNvPr id="5" name="页脚占位符 4">
             <a:extLst>
               <a:ext uri="{FF2B5EF4-FFF2-40B4-BE49-F238E27FC236}">
-                <a16:creationId xmlns:a16="http://schemas.microsoft.com/office/drawing/2014/main" id="{5AD6DB6D-CD7C-97CA-4B5D-8DD1AFBDFF1D}"/>
+                <a16:creationId xmlns:a16="http://schemas.microsoft.com/office/drawing/2014/main" id="{88635405-54EB-E8F7-590C-2E549936BE9F}"/>
               </a:ext>
             </a:extLst>
           </p:cNvPr>
@@ -1169,7 +1169,7 @@
           <p:cNvPr id="6" name="灯片编号占位符 5">
             <a:extLst>
               <a:ext uri="{FF2B5EF4-FFF2-40B4-BE49-F238E27FC236}">
-                <a16:creationId xmlns:a16="http://schemas.microsoft.com/office/drawing/2014/main" id="{D3B87558-0D6E-EB85-8AE5-50F1647B40F6}"/>
+                <a16:creationId xmlns:a16="http://schemas.microsoft.com/office/drawing/2014/main" id="{86EEEBB1-5E2C-364F-6517-C42D20A97648}"/>
               </a:ext>
             </a:extLst>
           </p:cNvPr>
@@ -1185,7 +1185,7 @@
           <a:bodyPr/>
           <a:lstStyle/>
           <a:p>
-            <a:fld id="{885FD205-3513-43C7-8E72-DF02500E5775}" type="slidenum">
+            <a:fld id="{6BB4CF94-71B8-4696-913D-FF42114E175C}" type="slidenum">
               <a:rPr lang="zh-CN" altLang="en-US" smtClean="0"/>
               <a:t>‹#›</a:t>
             </a:fld>
@@ -1196,7 +1196,7 @@
     </p:spTree>
     <p:extLst>
       <p:ext uri="{BB962C8B-B14F-4D97-AF65-F5344CB8AC3E}">
-        <p14:creationId xmlns:p14="http://schemas.microsoft.com/office/powerpoint/2010/main" val="2383865954"/>
+        <p14:creationId xmlns:p14="http://schemas.microsoft.com/office/powerpoint/2010/main" val="2935619804"/>
       </p:ext>
     </p:extLst>
   </p:cSld>
@@ -1228,7 +1228,7 @@
           <p:cNvPr id="2" name="标题 1">
             <a:extLst>
               <a:ext uri="{FF2B5EF4-FFF2-40B4-BE49-F238E27FC236}">
-                <a16:creationId xmlns:a16="http://schemas.microsoft.com/office/drawing/2014/main" id="{9D3AEF40-528D-0145-88F1-94E1E36E15D9}"/>
+                <a16:creationId xmlns:a16="http://schemas.microsoft.com/office/drawing/2014/main" id="{F00E4E3D-3F32-C533-75B8-A77BAD09E935}"/>
               </a:ext>
             </a:extLst>
           </p:cNvPr>
@@ -1256,7 +1256,7 @@
           <p:cNvPr id="3" name="内容占位符 2">
             <a:extLst>
               <a:ext uri="{FF2B5EF4-FFF2-40B4-BE49-F238E27FC236}">
-                <a16:creationId xmlns:a16="http://schemas.microsoft.com/office/drawing/2014/main" id="{23D024D9-82CE-510C-03FF-674B064699A1}"/>
+                <a16:creationId xmlns:a16="http://schemas.microsoft.com/office/drawing/2014/main" id="{EF7EF76C-E2D8-C66F-8889-D9F262A19094}"/>
               </a:ext>
             </a:extLst>
           </p:cNvPr>
@@ -1318,7 +1318,7 @@
           <p:cNvPr id="4" name="内容占位符 3">
             <a:extLst>
               <a:ext uri="{FF2B5EF4-FFF2-40B4-BE49-F238E27FC236}">
-                <a16:creationId xmlns:a16="http://schemas.microsoft.com/office/drawing/2014/main" id="{04F58696-949C-7A4D-B95C-6F93DBD64722}"/>
+                <a16:creationId xmlns:a16="http://schemas.microsoft.com/office/drawing/2014/main" id="{D4C9BD75-1E74-E30A-93B2-A7564131E846}"/>
               </a:ext>
             </a:extLst>
           </p:cNvPr>
@@ -1380,7 +1380,7 @@
           <p:cNvPr id="5" name="日期占位符 4">
             <a:extLst>
               <a:ext uri="{FF2B5EF4-FFF2-40B4-BE49-F238E27FC236}">
-                <a16:creationId xmlns:a16="http://schemas.microsoft.com/office/drawing/2014/main" id="{BC3AE468-BD41-FDB2-D13D-C50BF18A7758}"/>
+                <a16:creationId xmlns:a16="http://schemas.microsoft.com/office/drawing/2014/main" id="{2C7B3006-984C-1E0C-42A0-EC6A004C6086}"/>
               </a:ext>
             </a:extLst>
           </p:cNvPr>
@@ -1396,7 +1396,7 @@
           <a:bodyPr/>
           <a:lstStyle/>
           <a:p>
-            <a:fld id="{DB448436-C86F-4038-A7ED-E259BF422DC9}" type="datetimeFigureOut">
+            <a:fld id="{10DDB60E-3F38-45A6-AB44-610800A395C9}" type="datetimeFigureOut">
               <a:rPr lang="zh-CN" altLang="en-US" smtClean="0"/>
               <a:t>2024/3/10</a:t>
             </a:fld>
@@ -1409,7 +1409,7 @@
           <p:cNvPr id="6" name="页脚占位符 5">
             <a:extLst>
               <a:ext uri="{FF2B5EF4-FFF2-40B4-BE49-F238E27FC236}">
-                <a16:creationId xmlns:a16="http://schemas.microsoft.com/office/drawing/2014/main" id="{62006534-A177-B68C-ADDD-D82D051120DB}"/>
+                <a16:creationId xmlns:a16="http://schemas.microsoft.com/office/drawing/2014/main" id="{923A0B1C-D0ED-FB02-CF0C-5E3B40943F8B}"/>
               </a:ext>
             </a:extLst>
           </p:cNvPr>
@@ -1434,7 +1434,7 @@
           <p:cNvPr id="7" name="灯片编号占位符 6">
             <a:extLst>
               <a:ext uri="{FF2B5EF4-FFF2-40B4-BE49-F238E27FC236}">
-                <a16:creationId xmlns:a16="http://schemas.microsoft.com/office/drawing/2014/main" id="{2B89A391-B619-2CD7-8570-8B8801988C1F}"/>
+                <a16:creationId xmlns:a16="http://schemas.microsoft.com/office/drawing/2014/main" id="{7C78741E-32E1-0C37-D2A8-7D48B334232A}"/>
               </a:ext>
             </a:extLst>
           </p:cNvPr>
@@ -1450,7 +1450,7 @@
           <a:bodyPr/>
           <a:lstStyle/>
           <a:p>
-            <a:fld id="{885FD205-3513-43C7-8E72-DF02500E5775}" type="slidenum">
+            <a:fld id="{6BB4CF94-71B8-4696-913D-FF42114E175C}" type="slidenum">
               <a:rPr lang="zh-CN" altLang="en-US" smtClean="0"/>
               <a:t>‹#›</a:t>
             </a:fld>
@@ -1461,7 +1461,7 @@
     </p:spTree>
     <p:extLst>
       <p:ext uri="{BB962C8B-B14F-4D97-AF65-F5344CB8AC3E}">
-        <p14:creationId xmlns:p14="http://schemas.microsoft.com/office/powerpoint/2010/main" val="658654646"/>
+        <p14:creationId xmlns:p14="http://schemas.microsoft.com/office/powerpoint/2010/main" val="2774952799"/>
       </p:ext>
     </p:extLst>
   </p:cSld>
@@ -1493,7 +1493,7 @@
           <p:cNvPr id="2" name="标题 1">
             <a:extLst>
               <a:ext uri="{FF2B5EF4-FFF2-40B4-BE49-F238E27FC236}">
-                <a16:creationId xmlns:a16="http://schemas.microsoft.com/office/drawing/2014/main" id="{64C9CF49-CC91-017B-E452-1110DA163FD6}"/>
+                <a16:creationId xmlns:a16="http://schemas.microsoft.com/office/drawing/2014/main" id="{CA51FF6C-61EA-FAB5-C7F0-EF1CBEDD6793}"/>
               </a:ext>
             </a:extLst>
           </p:cNvPr>
@@ -1526,7 +1526,7 @@
           <p:cNvPr id="3" name="文本占位符 2">
             <a:extLst>
               <a:ext uri="{FF2B5EF4-FFF2-40B4-BE49-F238E27FC236}">
-                <a16:creationId xmlns:a16="http://schemas.microsoft.com/office/drawing/2014/main" id="{D18202A8-EC1A-BB93-093E-96B3F47E489C}"/>
+                <a16:creationId xmlns:a16="http://schemas.microsoft.com/office/drawing/2014/main" id="{BE3EA100-FB76-3097-5775-97B4ED371AF2}"/>
               </a:ext>
             </a:extLst>
           </p:cNvPr>
@@ -1597,7 +1597,7 @@
           <p:cNvPr id="4" name="内容占位符 3">
             <a:extLst>
               <a:ext uri="{FF2B5EF4-FFF2-40B4-BE49-F238E27FC236}">
-                <a16:creationId xmlns:a16="http://schemas.microsoft.com/office/drawing/2014/main" id="{4520F42C-BFE3-A5D5-70F0-8FC5C3C5C4E8}"/>
+                <a16:creationId xmlns:a16="http://schemas.microsoft.com/office/drawing/2014/main" id="{02AC435A-713A-E98C-1034-BE6E463A4128}"/>
               </a:ext>
             </a:extLst>
           </p:cNvPr>
@@ -1659,7 +1659,7 @@
           <p:cNvPr id="5" name="文本占位符 4">
             <a:extLst>
               <a:ext uri="{FF2B5EF4-FFF2-40B4-BE49-F238E27FC236}">
-                <a16:creationId xmlns:a16="http://schemas.microsoft.com/office/drawing/2014/main" id="{D23B2795-2D7F-9C62-F087-C751A93328A3}"/>
+                <a16:creationId xmlns:a16="http://schemas.microsoft.com/office/drawing/2014/main" id="{96B2822E-0060-7ED8-7E3B-75B97A564DC0}"/>
               </a:ext>
             </a:extLst>
           </p:cNvPr>
@@ -1730,7 +1730,7 @@
           <p:cNvPr id="6" name="内容占位符 5">
             <a:extLst>
               <a:ext uri="{FF2B5EF4-FFF2-40B4-BE49-F238E27FC236}">
-                <a16:creationId xmlns:a16="http://schemas.microsoft.com/office/drawing/2014/main" id="{33BE4298-A6EB-1B1C-4DAD-B0EEB12747C0}"/>
+                <a16:creationId xmlns:a16="http://schemas.microsoft.com/office/drawing/2014/main" id="{248E6308-325A-F069-2C3A-7F04EFA72730}"/>
               </a:ext>
             </a:extLst>
           </p:cNvPr>
@@ -1792,7 +1792,7 @@
           <p:cNvPr id="7" name="日期占位符 6">
             <a:extLst>
               <a:ext uri="{FF2B5EF4-FFF2-40B4-BE49-F238E27FC236}">
-                <a16:creationId xmlns:a16="http://schemas.microsoft.com/office/drawing/2014/main" id="{82784731-D9F6-AEE3-4CC1-A9F98D1FEAC8}"/>
+                <a16:creationId xmlns:a16="http://schemas.microsoft.com/office/drawing/2014/main" id="{5355997C-71BA-9E2E-4BF6-B9EA305ACF43}"/>
               </a:ext>
             </a:extLst>
           </p:cNvPr>
@@ -1808,7 +1808,7 @@
           <a:bodyPr/>
           <a:lstStyle/>
           <a:p>
-            <a:fld id="{DB448436-C86F-4038-A7ED-E259BF422DC9}" type="datetimeFigureOut">
+            <a:fld id="{10DDB60E-3F38-45A6-AB44-610800A395C9}" type="datetimeFigureOut">
               <a:rPr lang="zh-CN" altLang="en-US" smtClean="0"/>
               <a:t>2024/3/10</a:t>
             </a:fld>
@@ -1821,7 +1821,7 @@
           <p:cNvPr id="8" name="页脚占位符 7">
             <a:extLst>
               <a:ext uri="{FF2B5EF4-FFF2-40B4-BE49-F238E27FC236}">
-                <a16:creationId xmlns:a16="http://schemas.microsoft.com/office/drawing/2014/main" id="{FA2D7651-5176-BB0A-CEAF-DD286CC4EF77}"/>
+                <a16:creationId xmlns:a16="http://schemas.microsoft.com/office/drawing/2014/main" id="{3B85A223-3784-5000-2248-D217DFAE9D52}"/>
               </a:ext>
             </a:extLst>
           </p:cNvPr>
@@ -1846,7 +1846,7 @@
           <p:cNvPr id="9" name="灯片编号占位符 8">
             <a:extLst>
               <a:ext uri="{FF2B5EF4-FFF2-40B4-BE49-F238E27FC236}">
-                <a16:creationId xmlns:a16="http://schemas.microsoft.com/office/drawing/2014/main" id="{AFCBF97C-29ED-ADC5-D695-2324EAF5F771}"/>
+                <a16:creationId xmlns:a16="http://schemas.microsoft.com/office/drawing/2014/main" id="{B98B7873-42F4-B693-F6DF-AE94DF2F4A02}"/>
               </a:ext>
             </a:extLst>
           </p:cNvPr>
@@ -1862,7 +1862,7 @@
           <a:bodyPr/>
           <a:lstStyle/>
           <a:p>
-            <a:fld id="{885FD205-3513-43C7-8E72-DF02500E5775}" type="slidenum">
+            <a:fld id="{6BB4CF94-71B8-4696-913D-FF42114E175C}" type="slidenum">
               <a:rPr lang="zh-CN" altLang="en-US" smtClean="0"/>
               <a:t>‹#›</a:t>
             </a:fld>
@@ -1873,7 +1873,7 @@
     </p:spTree>
     <p:extLst>
       <p:ext uri="{BB962C8B-B14F-4D97-AF65-F5344CB8AC3E}">
-        <p14:creationId xmlns:p14="http://schemas.microsoft.com/office/powerpoint/2010/main" val="2254607141"/>
+        <p14:creationId xmlns:p14="http://schemas.microsoft.com/office/powerpoint/2010/main" val="1138998544"/>
       </p:ext>
     </p:extLst>
   </p:cSld>
@@ -1905,7 +1905,7 @@
           <p:cNvPr id="2" name="标题 1">
             <a:extLst>
               <a:ext uri="{FF2B5EF4-FFF2-40B4-BE49-F238E27FC236}">
-                <a16:creationId xmlns:a16="http://schemas.microsoft.com/office/drawing/2014/main" id="{9A1F1BB1-2275-3F55-3132-1CEFD2BFD1CB}"/>
+                <a16:creationId xmlns:a16="http://schemas.microsoft.com/office/drawing/2014/main" id="{0C849C46-8C2C-97B3-5030-28CC7AB90707}"/>
               </a:ext>
             </a:extLst>
           </p:cNvPr>
@@ -1933,7 +1933,7 @@
           <p:cNvPr id="3" name="日期占位符 2">
             <a:extLst>
               <a:ext uri="{FF2B5EF4-FFF2-40B4-BE49-F238E27FC236}">
-                <a16:creationId xmlns:a16="http://schemas.microsoft.com/office/drawing/2014/main" id="{7D14DC32-5B09-2A16-7307-52AA544C97B2}"/>
+                <a16:creationId xmlns:a16="http://schemas.microsoft.com/office/drawing/2014/main" id="{5A3EC9AD-9D06-9A10-92D1-46A44267EBF2}"/>
               </a:ext>
             </a:extLst>
           </p:cNvPr>
@@ -1949,7 +1949,7 @@
           <a:bodyPr/>
           <a:lstStyle/>
           <a:p>
-            <a:fld id="{DB448436-C86F-4038-A7ED-E259BF422DC9}" type="datetimeFigureOut">
+            <a:fld id="{10DDB60E-3F38-45A6-AB44-610800A395C9}" type="datetimeFigureOut">
               <a:rPr lang="zh-CN" altLang="en-US" smtClean="0"/>
               <a:t>2024/3/10</a:t>
             </a:fld>
@@ -1962,7 +1962,7 @@
           <p:cNvPr id="4" name="页脚占位符 3">
             <a:extLst>
               <a:ext uri="{FF2B5EF4-FFF2-40B4-BE49-F238E27FC236}">
-                <a16:creationId xmlns:a16="http://schemas.microsoft.com/office/drawing/2014/main" id="{3667304B-AFF1-9544-A2DC-548FA66BDF3B}"/>
+                <a16:creationId xmlns:a16="http://schemas.microsoft.com/office/drawing/2014/main" id="{978353B3-70FD-0DDB-6326-599D3E8A1541}"/>
               </a:ext>
             </a:extLst>
           </p:cNvPr>
@@ -1987,7 +1987,7 @@
           <p:cNvPr id="5" name="灯片编号占位符 4">
             <a:extLst>
               <a:ext uri="{FF2B5EF4-FFF2-40B4-BE49-F238E27FC236}">
-                <a16:creationId xmlns:a16="http://schemas.microsoft.com/office/drawing/2014/main" id="{12CE5846-B875-0B65-3845-F3B4340B62AD}"/>
+                <a16:creationId xmlns:a16="http://schemas.microsoft.com/office/drawing/2014/main" id="{ADC9FB0D-EEA7-C726-8F5E-9CAB78D9B8F9}"/>
               </a:ext>
             </a:extLst>
           </p:cNvPr>
@@ -2003,7 +2003,7 @@
           <a:bodyPr/>
           <a:lstStyle/>
           <a:p>
-            <a:fld id="{885FD205-3513-43C7-8E72-DF02500E5775}" type="slidenum">
+            <a:fld id="{6BB4CF94-71B8-4696-913D-FF42114E175C}" type="slidenum">
               <a:rPr lang="zh-CN" altLang="en-US" smtClean="0"/>
               <a:t>‹#›</a:t>
             </a:fld>
@@ -2014,7 +2014,7 @@
     </p:spTree>
     <p:extLst>
       <p:ext uri="{BB962C8B-B14F-4D97-AF65-F5344CB8AC3E}">
-        <p14:creationId xmlns:p14="http://schemas.microsoft.com/office/powerpoint/2010/main" val="802903025"/>
+        <p14:creationId xmlns:p14="http://schemas.microsoft.com/office/powerpoint/2010/main" val="3526506038"/>
       </p:ext>
     </p:extLst>
   </p:cSld>
@@ -2046,7 +2046,7 @@
           <p:cNvPr id="2" name="日期占位符 1">
             <a:extLst>
               <a:ext uri="{FF2B5EF4-FFF2-40B4-BE49-F238E27FC236}">
-                <a16:creationId xmlns:a16="http://schemas.microsoft.com/office/drawing/2014/main" id="{4D25A302-870F-DF99-8E1E-4652F18740B8}"/>
+                <a16:creationId xmlns:a16="http://schemas.microsoft.com/office/drawing/2014/main" id="{41DDB501-BFD1-9598-472B-1584DD0B76E0}"/>
               </a:ext>
             </a:extLst>
           </p:cNvPr>
@@ -2062,7 +2062,7 @@
           <a:bodyPr/>
           <a:lstStyle/>
           <a:p>
-            <a:fld id="{DB448436-C86F-4038-A7ED-E259BF422DC9}" type="datetimeFigureOut">
+            <a:fld id="{10DDB60E-3F38-45A6-AB44-610800A395C9}" type="datetimeFigureOut">
               <a:rPr lang="zh-CN" altLang="en-US" smtClean="0"/>
               <a:t>2024/3/10</a:t>
             </a:fld>
@@ -2075,7 +2075,7 @@
           <p:cNvPr id="3" name="页脚占位符 2">
             <a:extLst>
               <a:ext uri="{FF2B5EF4-FFF2-40B4-BE49-F238E27FC236}">
-                <a16:creationId xmlns:a16="http://schemas.microsoft.com/office/drawing/2014/main" id="{913016D6-2133-5304-2406-AAA4E822AA08}"/>
+                <a16:creationId xmlns:a16="http://schemas.microsoft.com/office/drawing/2014/main" id="{F47B384F-26C5-8703-A033-550B4E437E81}"/>
               </a:ext>
             </a:extLst>
           </p:cNvPr>
@@ -2100,7 +2100,7 @@
           <p:cNvPr id="4" name="灯片编号占位符 3">
             <a:extLst>
               <a:ext uri="{FF2B5EF4-FFF2-40B4-BE49-F238E27FC236}">
-                <a16:creationId xmlns:a16="http://schemas.microsoft.com/office/drawing/2014/main" id="{6121267C-A90B-F00F-CE9E-C4899DC99660}"/>
+                <a16:creationId xmlns:a16="http://schemas.microsoft.com/office/drawing/2014/main" id="{F4BB4BA4-0D87-74B8-D9E5-4186D659F76D}"/>
               </a:ext>
             </a:extLst>
           </p:cNvPr>
@@ -2116,7 +2116,7 @@
           <a:bodyPr/>
           <a:lstStyle/>
           <a:p>
-            <a:fld id="{885FD205-3513-43C7-8E72-DF02500E5775}" type="slidenum">
+            <a:fld id="{6BB4CF94-71B8-4696-913D-FF42114E175C}" type="slidenum">
               <a:rPr lang="zh-CN" altLang="en-US" smtClean="0"/>
               <a:t>‹#›</a:t>
             </a:fld>
@@ -2127,7 +2127,7 @@
     </p:spTree>
     <p:extLst>
       <p:ext uri="{BB962C8B-B14F-4D97-AF65-F5344CB8AC3E}">
-        <p14:creationId xmlns:p14="http://schemas.microsoft.com/office/powerpoint/2010/main" val="161289620"/>
+        <p14:creationId xmlns:p14="http://schemas.microsoft.com/office/powerpoint/2010/main" val="2175863417"/>
       </p:ext>
     </p:extLst>
   </p:cSld>
@@ -2159,7 +2159,7 @@
           <p:cNvPr id="2" name="标题 1">
             <a:extLst>
               <a:ext uri="{FF2B5EF4-FFF2-40B4-BE49-F238E27FC236}">
-                <a16:creationId xmlns:a16="http://schemas.microsoft.com/office/drawing/2014/main" id="{E477A1BA-AF47-D97E-A931-A27E9D1FDDDF}"/>
+                <a16:creationId xmlns:a16="http://schemas.microsoft.com/office/drawing/2014/main" id="{A954F5C8-446D-7009-E04B-44BD7025599E}"/>
               </a:ext>
             </a:extLst>
           </p:cNvPr>
@@ -2196,7 +2196,7 @@
           <p:cNvPr id="3" name="内容占位符 2">
             <a:extLst>
               <a:ext uri="{FF2B5EF4-FFF2-40B4-BE49-F238E27FC236}">
-                <a16:creationId xmlns:a16="http://schemas.microsoft.com/office/drawing/2014/main" id="{94C7D5F5-8EB0-1D21-FE8F-EC39C0B8EA02}"/>
+                <a16:creationId xmlns:a16="http://schemas.microsoft.com/office/drawing/2014/main" id="{1595C093-7F7F-C0BB-3231-3C7B1241BA7B}"/>
               </a:ext>
             </a:extLst>
           </p:cNvPr>
@@ -2286,7 +2286,7 @@
           <p:cNvPr id="4" name="文本占位符 3">
             <a:extLst>
               <a:ext uri="{FF2B5EF4-FFF2-40B4-BE49-F238E27FC236}">
-                <a16:creationId xmlns:a16="http://schemas.microsoft.com/office/drawing/2014/main" id="{6F8F6FC8-0278-DB15-4EFE-8728E92FD536}"/>
+                <a16:creationId xmlns:a16="http://schemas.microsoft.com/office/drawing/2014/main" id="{137778AE-CDD5-06F7-50E0-4CB756EDE778}"/>
               </a:ext>
             </a:extLst>
           </p:cNvPr>
@@ -2357,7 +2357,7 @@
           <p:cNvPr id="5" name="日期占位符 4">
             <a:extLst>
               <a:ext uri="{FF2B5EF4-FFF2-40B4-BE49-F238E27FC236}">
-                <a16:creationId xmlns:a16="http://schemas.microsoft.com/office/drawing/2014/main" id="{3B0864E2-1CD0-0D3D-8B33-73502E9F10C5}"/>
+                <a16:creationId xmlns:a16="http://schemas.microsoft.com/office/drawing/2014/main" id="{A2CA4B1A-9937-1F83-8919-0F6FFC1AEB59}"/>
               </a:ext>
             </a:extLst>
           </p:cNvPr>
@@ -2373,7 +2373,7 @@
           <a:bodyPr/>
           <a:lstStyle/>
           <a:p>
-            <a:fld id="{DB448436-C86F-4038-A7ED-E259BF422DC9}" type="datetimeFigureOut">
+            <a:fld id="{10DDB60E-3F38-45A6-AB44-610800A395C9}" type="datetimeFigureOut">
               <a:rPr lang="zh-CN" altLang="en-US" smtClean="0"/>
               <a:t>2024/3/10</a:t>
             </a:fld>
@@ -2386,7 +2386,7 @@
           <p:cNvPr id="6" name="页脚占位符 5">
             <a:extLst>
               <a:ext uri="{FF2B5EF4-FFF2-40B4-BE49-F238E27FC236}">
-                <a16:creationId xmlns:a16="http://schemas.microsoft.com/office/drawing/2014/main" id="{285C4ED5-942D-A545-996A-A8031E59C977}"/>
+                <a16:creationId xmlns:a16="http://schemas.microsoft.com/office/drawing/2014/main" id="{F3CC60C3-BD6E-6353-4233-C82A68AC74BA}"/>
               </a:ext>
             </a:extLst>
           </p:cNvPr>
@@ -2411,7 +2411,7 @@
           <p:cNvPr id="7" name="灯片编号占位符 6">
             <a:extLst>
               <a:ext uri="{FF2B5EF4-FFF2-40B4-BE49-F238E27FC236}">
-                <a16:creationId xmlns:a16="http://schemas.microsoft.com/office/drawing/2014/main" id="{62744761-97A1-78BD-3BB9-E9269F4928CE}"/>
+                <a16:creationId xmlns:a16="http://schemas.microsoft.com/office/drawing/2014/main" id="{C4871FAD-B12E-4AED-4F53-80A336F853F9}"/>
               </a:ext>
             </a:extLst>
           </p:cNvPr>
@@ -2427,7 +2427,7 @@
           <a:bodyPr/>
           <a:lstStyle/>
           <a:p>
-            <a:fld id="{885FD205-3513-43C7-8E72-DF02500E5775}" type="slidenum">
+            <a:fld id="{6BB4CF94-71B8-4696-913D-FF42114E175C}" type="slidenum">
               <a:rPr lang="zh-CN" altLang="en-US" smtClean="0"/>
               <a:t>‹#›</a:t>
             </a:fld>
@@ -2438,7 +2438,7 @@
     </p:spTree>
     <p:extLst>
       <p:ext uri="{BB962C8B-B14F-4D97-AF65-F5344CB8AC3E}">
-        <p14:creationId xmlns:p14="http://schemas.microsoft.com/office/powerpoint/2010/main" val="958566592"/>
+        <p14:creationId xmlns:p14="http://schemas.microsoft.com/office/powerpoint/2010/main" val="3685293138"/>
       </p:ext>
     </p:extLst>
   </p:cSld>
@@ -2470,7 +2470,7 @@
           <p:cNvPr id="2" name="标题 1">
             <a:extLst>
               <a:ext uri="{FF2B5EF4-FFF2-40B4-BE49-F238E27FC236}">
-                <a16:creationId xmlns:a16="http://schemas.microsoft.com/office/drawing/2014/main" id="{3989D7AB-3106-F88C-D6D5-BAA5D8259684}"/>
+                <a16:creationId xmlns:a16="http://schemas.microsoft.com/office/drawing/2014/main" id="{25732EF3-32B9-3572-D5A4-021AEDD80D81}"/>
               </a:ext>
             </a:extLst>
           </p:cNvPr>
@@ -2507,7 +2507,7 @@
           <p:cNvPr id="3" name="图片占位符 2">
             <a:extLst>
               <a:ext uri="{FF2B5EF4-FFF2-40B4-BE49-F238E27FC236}">
-                <a16:creationId xmlns:a16="http://schemas.microsoft.com/office/drawing/2014/main" id="{D4AA7464-3F01-8A6D-7CD6-27BE499A5278}"/>
+                <a16:creationId xmlns:a16="http://schemas.microsoft.com/office/drawing/2014/main" id="{8999996C-B5BC-F2E0-26FE-94BD9CE63110}"/>
               </a:ext>
             </a:extLst>
           </p:cNvPr>
@@ -2574,7 +2574,7 @@
           <p:cNvPr id="4" name="文本占位符 3">
             <a:extLst>
               <a:ext uri="{FF2B5EF4-FFF2-40B4-BE49-F238E27FC236}">
-                <a16:creationId xmlns:a16="http://schemas.microsoft.com/office/drawing/2014/main" id="{68B54416-5F4A-FA4A-7B78-198CBEE24D88}"/>
+                <a16:creationId xmlns:a16="http://schemas.microsoft.com/office/drawing/2014/main" id="{3A36187D-CCDE-2C05-63E5-27D7C89A3A98}"/>
               </a:ext>
             </a:extLst>
           </p:cNvPr>
@@ -2645,7 +2645,7 @@
           <p:cNvPr id="5" name="日期占位符 4">
             <a:extLst>
               <a:ext uri="{FF2B5EF4-FFF2-40B4-BE49-F238E27FC236}">
-                <a16:creationId xmlns:a16="http://schemas.microsoft.com/office/drawing/2014/main" id="{70922364-A97E-19E1-36E2-A7F490A5897C}"/>
+                <a16:creationId xmlns:a16="http://schemas.microsoft.com/office/drawing/2014/main" id="{2FE475A4-9022-A176-D87E-CF9B347544FA}"/>
               </a:ext>
             </a:extLst>
           </p:cNvPr>
@@ -2661,7 +2661,7 @@
           <a:bodyPr/>
           <a:lstStyle/>
           <a:p>
-            <a:fld id="{DB448436-C86F-4038-A7ED-E259BF422DC9}" type="datetimeFigureOut">
+            <a:fld id="{10DDB60E-3F38-45A6-AB44-610800A395C9}" type="datetimeFigureOut">
               <a:rPr lang="zh-CN" altLang="en-US" smtClean="0"/>
               <a:t>2024/3/10</a:t>
             </a:fld>
@@ -2674,7 +2674,7 @@
           <p:cNvPr id="6" name="页脚占位符 5">
             <a:extLst>
               <a:ext uri="{FF2B5EF4-FFF2-40B4-BE49-F238E27FC236}">
-                <a16:creationId xmlns:a16="http://schemas.microsoft.com/office/drawing/2014/main" id="{BA600513-4EAB-13CB-699C-4BD4592D194F}"/>
+                <a16:creationId xmlns:a16="http://schemas.microsoft.com/office/drawing/2014/main" id="{482D0ED4-6603-107C-93F6-7C84633FC6E6}"/>
               </a:ext>
             </a:extLst>
           </p:cNvPr>
@@ -2699,7 +2699,7 @@
           <p:cNvPr id="7" name="灯片编号占位符 6">
             <a:extLst>
               <a:ext uri="{FF2B5EF4-FFF2-40B4-BE49-F238E27FC236}">
-                <a16:creationId xmlns:a16="http://schemas.microsoft.com/office/drawing/2014/main" id="{707540AA-6BB7-1677-FD24-293EFD51BCFB}"/>
+                <a16:creationId xmlns:a16="http://schemas.microsoft.com/office/drawing/2014/main" id="{F1E27BA6-76D1-681B-E09A-92055B51806D}"/>
               </a:ext>
             </a:extLst>
           </p:cNvPr>
@@ -2715,7 +2715,7 @@
           <a:bodyPr/>
           <a:lstStyle/>
           <a:p>
-            <a:fld id="{885FD205-3513-43C7-8E72-DF02500E5775}" type="slidenum">
+            <a:fld id="{6BB4CF94-71B8-4696-913D-FF42114E175C}" type="slidenum">
               <a:rPr lang="zh-CN" altLang="en-US" smtClean="0"/>
               <a:t>‹#›</a:t>
             </a:fld>
@@ -2726,7 +2726,7 @@
     </p:spTree>
     <p:extLst>
       <p:ext uri="{BB962C8B-B14F-4D97-AF65-F5344CB8AC3E}">
-        <p14:creationId xmlns:p14="http://schemas.microsoft.com/office/powerpoint/2010/main" val="219350323"/>
+        <p14:creationId xmlns:p14="http://schemas.microsoft.com/office/powerpoint/2010/main" val="3786122509"/>
       </p:ext>
     </p:extLst>
   </p:cSld>
@@ -2763,7 +2763,7 @@
           <p:cNvPr id="2" name="标题占位符 1">
             <a:extLst>
               <a:ext uri="{FF2B5EF4-FFF2-40B4-BE49-F238E27FC236}">
-                <a16:creationId xmlns:a16="http://schemas.microsoft.com/office/drawing/2014/main" id="{423FA919-8760-4771-46B7-160202DE5C17}"/>
+                <a16:creationId xmlns:a16="http://schemas.microsoft.com/office/drawing/2014/main" id="{774E8787-C673-1BF7-C1C7-C4AA18AE8885}"/>
               </a:ext>
             </a:extLst>
           </p:cNvPr>
@@ -2801,7 +2801,7 @@
           <p:cNvPr id="3" name="文本占位符 2">
             <a:extLst>
               <a:ext uri="{FF2B5EF4-FFF2-40B4-BE49-F238E27FC236}">
-                <a16:creationId xmlns:a16="http://schemas.microsoft.com/office/drawing/2014/main" id="{BE98DCD4-470F-E51E-6B33-D6639594EA58}"/>
+                <a16:creationId xmlns:a16="http://schemas.microsoft.com/office/drawing/2014/main" id="{8F0F30E3-4212-C08D-6AC1-7BCE4724A000}"/>
               </a:ext>
             </a:extLst>
           </p:cNvPr>
@@ -2868,7 +2868,7 @@
           <p:cNvPr id="4" name="日期占位符 3">
             <a:extLst>
               <a:ext uri="{FF2B5EF4-FFF2-40B4-BE49-F238E27FC236}">
-                <a16:creationId xmlns:a16="http://schemas.microsoft.com/office/drawing/2014/main" id="{244C6E8C-4574-7712-CE4B-1F9CB96AC6ED}"/>
+                <a16:creationId xmlns:a16="http://schemas.microsoft.com/office/drawing/2014/main" id="{01B21087-07BD-FDD6-21D2-E3DC5554E3C7}"/>
               </a:ext>
             </a:extLst>
           </p:cNvPr>
@@ -2902,7 +2902,7 @@
             </a:lvl1pPr>
           </a:lstStyle>
           <a:p>
-            <a:fld id="{DB448436-C86F-4038-A7ED-E259BF422DC9}" type="datetimeFigureOut">
+            <a:fld id="{10DDB60E-3F38-45A6-AB44-610800A395C9}" type="datetimeFigureOut">
               <a:rPr lang="zh-CN" altLang="en-US" smtClean="0"/>
               <a:t>2024/3/10</a:t>
             </a:fld>
@@ -2915,7 +2915,7 @@
           <p:cNvPr id="5" name="页脚占位符 4">
             <a:extLst>
               <a:ext uri="{FF2B5EF4-FFF2-40B4-BE49-F238E27FC236}">
-                <a16:creationId xmlns:a16="http://schemas.microsoft.com/office/drawing/2014/main" id="{6B0A5379-F059-C2FE-2EA6-8D884497E179}"/>
+                <a16:creationId xmlns:a16="http://schemas.microsoft.com/office/drawing/2014/main" id="{DF500F74-A9AC-D46F-2D46-FFAE90A24225}"/>
               </a:ext>
             </a:extLst>
           </p:cNvPr>
@@ -2958,7 +2958,7 @@
           <p:cNvPr id="6" name="灯片编号占位符 5">
             <a:extLst>
               <a:ext uri="{FF2B5EF4-FFF2-40B4-BE49-F238E27FC236}">
-                <a16:creationId xmlns:a16="http://schemas.microsoft.com/office/drawing/2014/main" id="{013C75ED-2154-C275-164D-4CA72DE7D5B7}"/>
+                <a16:creationId xmlns:a16="http://schemas.microsoft.com/office/drawing/2014/main" id="{E7A569D6-B05C-6526-D26A-AF0C52C6A047}"/>
               </a:ext>
             </a:extLst>
           </p:cNvPr>
@@ -2992,7 +2992,7 @@
             </a:lvl1pPr>
           </a:lstStyle>
           <a:p>
-            <a:fld id="{885FD205-3513-43C7-8E72-DF02500E5775}" type="slidenum">
+            <a:fld id="{6BB4CF94-71B8-4696-913D-FF42114E175C}" type="slidenum">
               <a:rPr lang="zh-CN" altLang="en-US" smtClean="0"/>
               <a:t>‹#›</a:t>
             </a:fld>
@@ -3003,7 +3003,7 @@
     </p:spTree>
     <p:extLst>
       <p:ext uri="{BB962C8B-B14F-4D97-AF65-F5344CB8AC3E}">
-        <p14:creationId xmlns:p14="http://schemas.microsoft.com/office/powerpoint/2010/main" val="4104380448"/>
+        <p14:creationId xmlns:p14="http://schemas.microsoft.com/office/powerpoint/2010/main" val="1472035997"/>
       </p:ext>
     </p:extLst>
   </p:cSld>
@@ -3323,7 +3323,7 @@
       </p:grpSpPr>
       <p:pic>
         <p:nvPicPr>
-          <p:cNvPr id="783362" name="Picture 2" descr="764"/>
+          <p:cNvPr id="784386" name="Picture 2" descr="765"/>
           <p:cNvPicPr>
             <a:picLocks noChangeAspect="1" noChangeArrowheads="1"/>
           </p:cNvPicPr>
@@ -3375,158 +3375,11 @@
           </a:extLst>
         </p:spPr>
       </p:pic>
-      <p:pic>
-        <p:nvPicPr>
-          <p:cNvPr id="784387" name="Picture 3" descr="764-2"/>
-          <p:cNvPicPr>
-            <a:picLocks noChangeAspect="1" noChangeArrowheads="1"/>
-          </p:cNvPicPr>
-          <p:nvPr/>
-        </p:nvPicPr>
-        <p:blipFill>
-          <a:blip r:embed="rId3">
-            <a:extLst>
-              <a:ext uri="{28A0092B-C50C-407E-A947-70E740481C1C}">
-                <a14:useLocalDpi xmlns:a14="http://schemas.microsoft.com/office/drawing/2010/main" val="0"/>
-              </a:ext>
-            </a:extLst>
-          </a:blip>
-          <a:srcRect/>
-          <a:stretch>
-            <a:fillRect/>
-          </a:stretch>
-        </p:blipFill>
-        <p:spPr bwMode="auto">
-          <a:xfrm>
-            <a:off x="1560513" y="0"/>
-            <a:ext cx="9144000" cy="6858000"/>
-          </a:xfrm>
-          <a:prstGeom prst="rect">
-            <a:avLst/>
-          </a:prstGeom>
-          <a:noFill/>
-          <a:ln>
-            <a:noFill/>
-          </a:ln>
-          <a:effectLst/>
-          <a:extLst>
-            <a:ext uri="{909E8E84-426E-40DD-AFC4-6F175D3DCCD1}">
-              <a14:hiddenFill xmlns:a14="http://schemas.microsoft.com/office/drawing/2010/main">
-                <a:solidFill>
-                  <a:srgbClr val="FFFFFF"/>
-                </a:solidFill>
-              </a14:hiddenFill>
-            </a:ext>
-            <a:ext uri="{91240B29-F687-4F45-9708-019B960494DF}">
-              <a14:hiddenLine xmlns:a14="http://schemas.microsoft.com/office/drawing/2010/main" w="9525">
-                <a:solidFill>
-                  <a:srgbClr val="000000"/>
-                </a:solidFill>
-                <a:miter lim="800000"/>
-                <a:headEnd/>
-                <a:tailEnd/>
-              </a14:hiddenLine>
-            </a:ext>
-            <a:ext uri="{AF507438-7753-43E0-B8FC-AC1667EBCBE1}">
-              <a14:hiddenEffects xmlns:a14="http://schemas.microsoft.com/office/drawing/2010/main">
-                <a:effectLst>
-                  <a:outerShdw dist="35921" dir="2700000" algn="ctr" rotWithShape="0">
-                    <a:srgbClr val="808080"/>
-                  </a:outerShdw>
-                </a:effectLst>
-              </a14:hiddenEffects>
-            </a:ext>
-          </a:extLst>
-        </p:spPr>
-      </p:pic>
     </p:spTree>
   </p:cSld>
   <p:clrMapOvr>
     <a:masterClrMapping/>
   </p:clrMapOvr>
-  <p:timing>
-    <p:tnLst>
-      <p:par>
-        <p:cTn id="1" dur="indefinite" restart="never" nodeType="tmRoot">
-          <p:childTnLst>
-            <p:seq concurrent="1" nextAc="seek">
-              <p:cTn id="2" dur="indefinite" nodeType="mainSeq">
-                <p:childTnLst>
-                  <p:par>
-                    <p:cTn id="3" fill="hold" nodeType="clickPar">
-                      <p:stCondLst>
-                        <p:cond delay="indefinite"/>
-                      </p:stCondLst>
-                      <p:childTnLst>
-                        <p:par>
-                          <p:cTn id="4" fill="hold" nodeType="withGroup">
-                            <p:stCondLst>
-                              <p:cond delay="0"/>
-                            </p:stCondLst>
-                            <p:childTnLst>
-                              <p:par>
-                                <p:cTn id="5" presetID="10" presetClass="entr" presetSubtype="0" fill="hold" nodeType="clickEffect">
-                                  <p:stCondLst>
-                                    <p:cond delay="0"/>
-                                  </p:stCondLst>
-                                  <p:childTnLst>
-                                    <p:set>
-                                      <p:cBhvr>
-                                        <p:cTn id="6" dur="1" fill="hold">
-                                          <p:stCondLst>
-                                            <p:cond delay="0"/>
-                                          </p:stCondLst>
-                                        </p:cTn>
-                                        <p:tgtEl>
-                                          <p:spTgt spid="784387"/>
-                                        </p:tgtEl>
-                                        <p:attrNameLst>
-                                          <p:attrName>style.visibility</p:attrName>
-                                        </p:attrNameLst>
-                                      </p:cBhvr>
-                                      <p:to>
-                                        <p:strVal val="visible"/>
-                                      </p:to>
-                                    </p:set>
-                                    <p:animEffect transition="in" filter="fade">
-                                      <p:cBhvr>
-                                        <p:cTn id="7" dur="500"/>
-                                        <p:tgtEl>
-                                          <p:spTgt spid="784387"/>
-                                        </p:tgtEl>
-                                      </p:cBhvr>
-                                    </p:animEffect>
-                                  </p:childTnLst>
-                                </p:cTn>
-                              </p:par>
-                            </p:childTnLst>
-                          </p:cTn>
-                        </p:par>
-                      </p:childTnLst>
-                    </p:cTn>
-                  </p:par>
-                </p:childTnLst>
-              </p:cTn>
-              <p:prevCondLst>
-                <p:cond evt="onPrev" delay="0">
-                  <p:tgtEl>
-                    <p:sldTgt/>
-                  </p:tgtEl>
-                </p:cond>
-              </p:prevCondLst>
-              <p:nextCondLst>
-                <p:cond evt="onNext" delay="0">
-                  <p:tgtEl>
-                    <p:sldTgt/>
-                  </p:tgtEl>
-                </p:cond>
-              </p:nextCondLst>
-            </p:seq>
-          </p:childTnLst>
-        </p:cTn>
-      </p:par>
-    </p:tnLst>
-  </p:timing>
 </p:sld>
 </file>
 
